--- a/docs/presentation/LHL_CapstoneProject - AMUSA Idris Adebola.pptx
+++ b/docs/presentation/LHL_CapstoneProject - AMUSA Idris Adebola.pptx
@@ -283,7 +283,7 @@
       <p15:sldGuideLst xmlns:p15="http://schemas.microsoft.com/office/powerpoint/2012/main"/>
     </p:ext>
     <p:ext uri="GoogleSlidesCustomDataVersion2">
-      <go:slidesCustomData xmlns:go="http://customooxmlschemas.google.com/" xmlns:ahyp="http://schemas.microsoft.com/office/drawing/2018/hyperlinkcolor" xmlns:p15="http://schemas.microsoft.com/office/powerpoint/2012/main" xmlns:p14="http://schemas.microsoft.com/office/powerpoint/2010/main" xmlns:com="http://schemas.openxmlformats.org/drawingml/2006/compatibility" xmlns:pvml="urn:schemas-microsoft-com:office:powerpoint" xmlns:v="urn:schemas-microsoft-com:vml" xmlns:o="urn:schemas-microsoft-com:office:office" xmlns:dgm="http://schemas.openxmlformats.org/drawingml/2006/diagram" xmlns:c="http://schemas.openxmlformats.org/drawingml/2006/chart" xmlns:mv="urn:schemas-microsoft-com:mac:vml" xmlns:mc="http://schemas.openxmlformats.org/markup-compatibility/2006" xmlns="" r:id="rId48" roundtripDataSignature="AMtx7mgKOobQIAvBkfjktSb1+KcPPC7FCw=="/>
+      <go:slidesCustomData xmlns="" xmlns:mc="http://schemas.openxmlformats.org/markup-compatibility/2006" xmlns:mv="urn:schemas-microsoft-com:mac:vml" xmlns:c="http://schemas.openxmlformats.org/drawingml/2006/chart" xmlns:dgm="http://schemas.openxmlformats.org/drawingml/2006/diagram" xmlns:o="urn:schemas-microsoft-com:office:office" xmlns:v="urn:schemas-microsoft-com:vml" xmlns:pvml="urn:schemas-microsoft-com:office:powerpoint" xmlns:com="http://schemas.openxmlformats.org/drawingml/2006/compatibility" xmlns:p14="http://schemas.microsoft.com/office/powerpoint/2010/main" xmlns:p15="http://schemas.microsoft.com/office/powerpoint/2012/main" xmlns:ahyp="http://schemas.microsoft.com/office/drawing/2018/hyperlinkcolor" xmlns:go="http://customooxmlschemas.google.com/" r:id="rId48" roundtripDataSignature="AMtx7mgKOobQIAvBkfjktSb1+KcPPC7FCw=="/>
     </p:ext>
   </p:extLst>
 </p:presentation>
@@ -13404,7 +13404,7 @@
                 <a:cs typeface="Proxima Nova"/>
                 <a:sym typeface="Proxima Nova"/>
               </a:rPr>
-              <a:t>NBA DATA  ANALYSIS WITH FOCUS ON THE LA LAKERS </a:t>
+              <a:t>NBA DATA ANALYSIS WITH FOCUS ON THE LA LAKERS </a:t>
             </a:r>
             <a:br>
               <a:rPr lang="en-CA" sz="4000" b="1" dirty="0">
@@ -13777,23 +13777,23 @@
               <a:buChar char="•"/>
             </a:pPr>
             <a:r>
-              <a:rPr lang="en-GB" sz="1800" dirty="0"/>
+              <a:rPr lang="en-GB" sz="2200" dirty="0"/>
               <a:t>Import Python libraries i.e. </a:t>
             </a:r>
             <a:r>
-              <a:rPr lang="en-GB" sz="1800" dirty="0" err="1"/>
+              <a:rPr lang="en-GB" sz="2200" dirty="0" err="1"/>
               <a:t>sklearn</a:t>
             </a:r>
             <a:r>
-              <a:rPr lang="en-GB" sz="1800" dirty="0"/>
+              <a:rPr lang="en-GB" sz="2200" dirty="0"/>
               <a:t>, pandas, </a:t>
             </a:r>
             <a:r>
-              <a:rPr lang="en-GB" sz="1800" dirty="0" err="1"/>
+              <a:rPr lang="en-GB" sz="2200" dirty="0" err="1"/>
               <a:t>numpy</a:t>
             </a:r>
             <a:r>
-              <a:rPr lang="en-GB" sz="1800" dirty="0"/>
+              <a:rPr lang="en-GB" sz="2200" dirty="0"/>
               <a:t>, matplotlib, seaborn etc. to help build a regression model.</a:t>
             </a:r>
           </a:p>
@@ -13806,7 +13806,7 @@
               <a:buChar char="•"/>
             </a:pPr>
             <a:r>
-              <a:rPr lang="en-GB" sz="1800" dirty="0"/>
+              <a:rPr lang="en-GB" sz="2200" dirty="0"/>
               <a:t>Drop columns with missing values.</a:t>
             </a:r>
           </a:p>
@@ -13819,8 +13819,8 @@
               <a:buChar char="•"/>
             </a:pPr>
             <a:r>
-              <a:rPr lang="en-GB" sz="1800" dirty="0"/>
-              <a:t>Declare feature vector and target variable. (put details)</a:t>
+              <a:rPr lang="en-GB" sz="2200" dirty="0"/>
+              <a:t>Declare feature vector and target variable. </a:t>
             </a:r>
           </a:p>
           <a:p>
@@ -13832,7 +13832,7 @@
               <a:buChar char="•"/>
             </a:pPr>
             <a:r>
-              <a:rPr lang="en-GB" sz="1800" dirty="0"/>
+              <a:rPr lang="en-GB" sz="2200" dirty="0"/>
               <a:t>Split the data intro train and test.</a:t>
             </a:r>
           </a:p>
@@ -13845,10 +13845,10 @@
               <a:buChar char="•"/>
             </a:pPr>
             <a:r>
-              <a:rPr lang="en-GB" sz="1800" dirty="0"/>
+              <a:rPr lang="en-GB" sz="2200" dirty="0"/>
               <a:t>Generate the regression model.</a:t>
             </a:r>
-            <a:endParaRPr lang="en-GB" sz="1800" i="1" dirty="0"/>
+            <a:endParaRPr lang="en-GB" sz="2200" i="1" dirty="0"/>
           </a:p>
           <a:p>
             <a:endParaRPr lang="en-GB" sz="1800" dirty="0"/>
@@ -18541,7 +18541,7 @@
                 <a:cs typeface="Helvetica Neue"/>
                 <a:sym typeface="Helvetica Neue"/>
               </a:rPr>
-              <a:t>Explore additional features of the datasets for more comprehensive analysis.</a:t>
+              <a:t>Explore additional features of the datasets (especially impact of key players performances) for more comprehensive analysis.</a:t>
             </a:r>
           </a:p>
           <a:p>
@@ -19358,7 +19358,7 @@
                 <a:cs typeface="Proxima Nova"/>
                 <a:sym typeface="Proxima Nova"/>
               </a:rPr>
-              <a:t>PROJECT/GOALS</a:t>
+              <a:t>PROJECT GOALS</a:t>
             </a:r>
             <a:endParaRPr sz="4000" b="1" dirty="0">
               <a:solidFill>
